--- a/OutOfCheeseError_ONGAKU_CodeVad_2016.pptx
+++ b/OutOfCheeseError_ONGAKU_CodeVad_2016.pptx
@@ -3720,6 +3720,101 @@
           </a:prstGeom>
         </p:spPr>
       </p:pic>
+      <p:sp>
+        <p:nvSpPr>
+          <p:cNvPr id="3" name="TextBox 2"/>
+          <p:cNvSpPr txBox="1"/>
+          <p:nvPr/>
+        </p:nvSpPr>
+        <p:spPr>
+          <a:xfrm>
+            <a:off x="1481874" y="1761369"/>
+            <a:ext cx="6171204" cy="830997"/>
+          </a:xfrm>
+          <a:prstGeom prst="rect">
+            <a:avLst/>
+          </a:prstGeom>
+          <a:noFill/>
+        </p:spPr>
+        <p:txBody>
+          <a:bodyPr wrap="square" rtlCol="0">
+            <a:spAutoFit/>
+          </a:bodyPr>
+          <a:lstStyle/>
+          <a:p>
+            <a:pPr algn="ctr"/>
+            <a:r>
+              <a:rPr lang="en-US" dirty="0">
+                <a:solidFill>
+                  <a:schemeClr val="bg1">
+                    <a:lumMod val="50000"/>
+                  </a:schemeClr>
+                </a:solidFill>
+                <a:latin typeface="Nexa Bold" panose="02000000000000000000" pitchFamily="50" charset="0"/>
+              </a:rPr>
+              <a:t>Special Thanks to:</a:t>
+            </a:r>
+          </a:p>
+          <a:p>
+            <a:pPr algn="ctr"/>
+            <a:r>
+              <a:rPr lang="en-US" dirty="0" err="1">
+                <a:solidFill>
+                  <a:schemeClr val="bg1">
+                    <a:lumMod val="50000"/>
+                  </a:schemeClr>
+                </a:solidFill>
+                <a:latin typeface="Nexa Bold" panose="02000000000000000000" pitchFamily="50" charset="0"/>
+              </a:rPr>
+              <a:t>Levente</a:t>
+            </a:r>
+            <a:r>
+              <a:rPr lang="en-US" dirty="0">
+                <a:solidFill>
+                  <a:schemeClr val="bg1">
+                    <a:lumMod val="50000"/>
+                  </a:schemeClr>
+                </a:solidFill>
+                <a:latin typeface="Nexa Bold" panose="02000000000000000000" pitchFamily="50" charset="0"/>
+              </a:rPr>
+              <a:t> </a:t>
+            </a:r>
+            <a:r>
+              <a:rPr lang="en-US" dirty="0" err="1">
+                <a:solidFill>
+                  <a:schemeClr val="bg1">
+                    <a:lumMod val="50000"/>
+                  </a:schemeClr>
+                </a:solidFill>
+                <a:latin typeface="Nexa Bold" panose="02000000000000000000" pitchFamily="50" charset="0"/>
+              </a:rPr>
+              <a:t>Bagi</a:t>
+            </a:r>
+            <a:endParaRPr lang="en-US" dirty="0">
+              <a:solidFill>
+                <a:schemeClr val="bg1">
+                  <a:lumMod val="50000"/>
+                </a:schemeClr>
+              </a:solidFill>
+              <a:latin typeface="Nexa Bold" panose="02000000000000000000" pitchFamily="50" charset="0"/>
+            </a:endParaRPr>
+          </a:p>
+          <a:p>
+            <a:pPr algn="ctr"/>
+            <a:r>
+              <a:rPr lang="en-US" sz="1200" dirty="0">
+                <a:solidFill>
+                  <a:schemeClr val="bg1">
+                    <a:lumMod val="50000"/>
+                  </a:schemeClr>
+                </a:solidFill>
+                <a:latin typeface="Nexa Light" panose="02000000000000000000" pitchFamily="50" charset="0"/>
+              </a:rPr>
+              <a:t>Pedometer Library Android</a:t>
+            </a:r>
+          </a:p>
+        </p:txBody>
+      </p:sp>
     </p:spTree>
     <p:extLst>
       <p:ext uri="{BB962C8B-B14F-4D97-AF65-F5344CB8AC3E}">
